--- a/Get Your Hands Dirty on Clean Architecture/ref/목차.pptx
+++ b/Get Your Hands Dirty on Clean Architecture/ref/목차.pptx
@@ -5,21 +5,22 @@
     <p:sldMasterId id="2147483672" r:id="rId1"/>
   </p:sldMasterIdLst>
   <p:notesMasterIdLst>
-    <p:notesMasterId r:id="rId14"/>
+    <p:notesMasterId r:id="rId15"/>
   </p:notesMasterIdLst>
   <p:sldIdLst>
     <p:sldId id="256" r:id="rId2"/>
-    <p:sldId id="257" r:id="rId3"/>
-    <p:sldId id="258" r:id="rId4"/>
-    <p:sldId id="259" r:id="rId5"/>
-    <p:sldId id="260" r:id="rId6"/>
-    <p:sldId id="261" r:id="rId7"/>
-    <p:sldId id="262" r:id="rId8"/>
-    <p:sldId id="263" r:id="rId9"/>
-    <p:sldId id="264" r:id="rId10"/>
-    <p:sldId id="265" r:id="rId11"/>
-    <p:sldId id="266" r:id="rId12"/>
-    <p:sldId id="267" r:id="rId13"/>
+    <p:sldId id="268" r:id="rId3"/>
+    <p:sldId id="257" r:id="rId4"/>
+    <p:sldId id="258" r:id="rId5"/>
+    <p:sldId id="259" r:id="rId6"/>
+    <p:sldId id="260" r:id="rId7"/>
+    <p:sldId id="261" r:id="rId8"/>
+    <p:sldId id="262" r:id="rId9"/>
+    <p:sldId id="263" r:id="rId10"/>
+    <p:sldId id="264" r:id="rId11"/>
+    <p:sldId id="265" r:id="rId12"/>
+    <p:sldId id="266" r:id="rId13"/>
+    <p:sldId id="267" r:id="rId14"/>
   </p:sldIdLst>
   <p:sldSz cx="12192000" cy="6858000"/>
   <p:notesSz cx="6858000" cy="9144000"/>
@@ -3352,7 +3353,7 @@
         <p:spPr>
           <a:xfrm>
             <a:off x="6430159" y="420624"/>
-            <a:ext cx="1067921" cy="1862048"/>
+            <a:ext cx="1245854" cy="1862048"/>
           </a:xfrm>
           <a:prstGeom prst="rect">
             <a:avLst/>
@@ -3366,66 +3367,15 @@
           <a:lstStyle/>
           <a:p>
             <a:r>
-              <a:rPr kumimoji="1" lang="en-US" altLang="ko-Kore-KR" sz="11500" b="1" dirty="0">
-                <a:latin typeface="NEXON Lv2 Gothic Bold" pitchFamily="2" charset="-127"/>
-                <a:ea typeface="NEXON Lv2 Gothic Bold" pitchFamily="2" charset="-127"/>
+              <a:rPr kumimoji="1" lang="en-US" altLang="ko-KR" sz="11500" b="1" dirty="0">
+                <a:latin typeface="+mj-ea"/>
+                <a:ea typeface="+mj-ea"/>
               </a:rPr>
-              <a:t>1</a:t>
+              <a:t>&gt;</a:t>
             </a:r>
             <a:endParaRPr kumimoji="1" lang="ko-Kore-KR" altLang="en-US" sz="11500" b="1" dirty="0">
-              <a:latin typeface="NEXON Lv2 Gothic Bold" pitchFamily="2" charset="-127"/>
-              <a:ea typeface="NEXON Lv2 Gothic Bold" pitchFamily="2" charset="-127"/>
-            </a:endParaRPr>
-          </a:p>
-        </p:txBody>
-      </p:sp>
-      <p:sp>
-        <p:nvSpPr>
-          <p:cNvPr id="5" name="TextBox 4">
-            <a:extLst>
-              <a:ext uri="{FF2B5EF4-FFF2-40B4-BE49-F238E27FC236}">
-                <a16:creationId xmlns:a16="http://schemas.microsoft.com/office/drawing/2014/main" id="{9BCA8FB8-6C2B-BC41-891B-30955DFC8290}"/>
-              </a:ext>
-            </a:extLst>
-          </p:cNvPr>
-          <p:cNvSpPr txBox="1"/>
-          <p:nvPr/>
-        </p:nvSpPr>
-        <p:spPr>
-          <a:xfrm>
-            <a:off x="1374648" y="2346960"/>
-            <a:ext cx="6123432" cy="646331"/>
-          </a:xfrm>
-          <a:prstGeom prst="rect">
-            <a:avLst/>
-          </a:prstGeom>
-          <a:noFill/>
-        </p:spPr>
-        <p:txBody>
-          <a:bodyPr wrap="square" rtlCol="0">
-            <a:spAutoFit/>
-          </a:bodyPr>
-          <a:lstStyle/>
-          <a:p>
-            <a:pPr algn="r"/>
-            <a:r>
-              <a:rPr lang="ko-KR" altLang="en-US" sz="3600" b="1" dirty="0" err="1">
-                <a:latin typeface="NEXON Lv2 Gothic Bold" pitchFamily="2" charset="-127"/>
-                <a:ea typeface="NEXON Lv2 Gothic Bold" pitchFamily="2" charset="-127"/>
-              </a:rPr>
-              <a:t>계층형</a:t>
-            </a:r>
-            <a:r>
-              <a:rPr lang="ko-KR" altLang="en-US" sz="3600" b="1" dirty="0">
-                <a:latin typeface="NEXON Lv2 Gothic Bold" pitchFamily="2" charset="-127"/>
-                <a:ea typeface="NEXON Lv2 Gothic Bold" pitchFamily="2" charset="-127"/>
-              </a:rPr>
-              <a:t> 구조의 문제점 </a:t>
-            </a:r>
-            <a:endParaRPr lang="ko-KR" altLang="en-US" sz="9600" b="1" dirty="0">
-              <a:effectLst/>
-              <a:latin typeface="NEXON Lv2 Gothic Bold" pitchFamily="2" charset="-127"/>
-              <a:ea typeface="NEXON Lv2 Gothic Bold" pitchFamily="2" charset="-127"/>
+              <a:latin typeface="+mj-ea"/>
+              <a:ea typeface="+mj-ea"/>
             </a:endParaRPr>
           </a:p>
         </p:txBody>
@@ -3474,8 +3424,8 @@
         </p:nvSpPr>
         <p:spPr>
           <a:xfrm>
-            <a:off x="5607199" y="484912"/>
-            <a:ext cx="2060179" cy="1862048"/>
+            <a:off x="6430159" y="420624"/>
+            <a:ext cx="1122423" cy="1862048"/>
           </a:xfrm>
           <a:prstGeom prst="rect">
             <a:avLst/>
@@ -3493,7 +3443,7 @@
                 <a:latin typeface="NEXON Lv2 Gothic Bold" pitchFamily="2" charset="-127"/>
                 <a:ea typeface="NEXON Lv2 Gothic Bold" pitchFamily="2" charset="-127"/>
               </a:rPr>
-              <a:t>10</a:t>
+              <a:t>9</a:t>
             </a:r>
             <a:endParaRPr kumimoji="1" lang="ko-Kore-KR" altLang="en-US" sz="11500" b="1" dirty="0">
               <a:latin typeface="NEXON Lv2 Gothic Bold" pitchFamily="2" charset="-127"/>
@@ -3536,7 +3486,7 @@
                 <a:latin typeface="NEXON Lv2 Gothic Bold" pitchFamily="2" charset="-127"/>
                 <a:ea typeface="NEXON Lv2 Gothic Bold" pitchFamily="2" charset="-127"/>
               </a:rPr>
-              <a:t>아키텍처 경계 강화</a:t>
+              <a:t>애플리케이션 모으기</a:t>
             </a:r>
             <a:endParaRPr lang="ko-KR" altLang="en-US" sz="9600" b="1" dirty="0">
               <a:effectLst/>
@@ -3549,7 +3499,7 @@
     </p:spTree>
     <p:extLst>
       <p:ext uri="{BB962C8B-B14F-4D97-AF65-F5344CB8AC3E}">
-        <p14:creationId xmlns:p14="http://schemas.microsoft.com/office/powerpoint/2010/main" val="1446180207"/>
+        <p14:creationId xmlns:p14="http://schemas.microsoft.com/office/powerpoint/2010/main" val="1249686669"/>
       </p:ext>
     </p:extLst>
   </p:cSld>
@@ -3590,6 +3540,122 @@
         </p:nvSpPr>
         <p:spPr>
           <a:xfrm>
+            <a:off x="5607199" y="484912"/>
+            <a:ext cx="2060179" cy="1862048"/>
+          </a:xfrm>
+          <a:prstGeom prst="rect">
+            <a:avLst/>
+          </a:prstGeom>
+          <a:noFill/>
+        </p:spPr>
+        <p:txBody>
+          <a:bodyPr wrap="none" rtlCol="0">
+            <a:spAutoFit/>
+          </a:bodyPr>
+          <a:lstStyle/>
+          <a:p>
+            <a:r>
+              <a:rPr kumimoji="1" lang="en-US" altLang="ko-KR" sz="11500" b="1" dirty="0">
+                <a:latin typeface="NEXON Lv2 Gothic Bold" pitchFamily="2" charset="-127"/>
+                <a:ea typeface="NEXON Lv2 Gothic Bold" pitchFamily="2" charset="-127"/>
+              </a:rPr>
+              <a:t>10</a:t>
+            </a:r>
+            <a:endParaRPr kumimoji="1" lang="ko-Kore-KR" altLang="en-US" sz="11500" b="1" dirty="0">
+              <a:latin typeface="NEXON Lv2 Gothic Bold" pitchFamily="2" charset="-127"/>
+              <a:ea typeface="NEXON Lv2 Gothic Bold" pitchFamily="2" charset="-127"/>
+            </a:endParaRPr>
+          </a:p>
+        </p:txBody>
+      </p:sp>
+      <p:sp>
+        <p:nvSpPr>
+          <p:cNvPr id="5" name="TextBox 4">
+            <a:extLst>
+              <a:ext uri="{FF2B5EF4-FFF2-40B4-BE49-F238E27FC236}">
+                <a16:creationId xmlns:a16="http://schemas.microsoft.com/office/drawing/2014/main" id="{9BCA8FB8-6C2B-BC41-891B-30955DFC8290}"/>
+              </a:ext>
+            </a:extLst>
+          </p:cNvPr>
+          <p:cNvSpPr txBox="1"/>
+          <p:nvPr/>
+        </p:nvSpPr>
+        <p:spPr>
+          <a:xfrm>
+            <a:off x="1374648" y="2346960"/>
+            <a:ext cx="6123432" cy="646331"/>
+          </a:xfrm>
+          <a:prstGeom prst="rect">
+            <a:avLst/>
+          </a:prstGeom>
+          <a:noFill/>
+        </p:spPr>
+        <p:txBody>
+          <a:bodyPr wrap="square" rtlCol="0">
+            <a:spAutoFit/>
+          </a:bodyPr>
+          <a:lstStyle/>
+          <a:p>
+            <a:pPr algn="r"/>
+            <a:r>
+              <a:rPr lang="ko-KR" altLang="en-US" sz="3600" b="1" dirty="0">
+                <a:latin typeface="NEXON Lv2 Gothic Bold" pitchFamily="2" charset="-127"/>
+                <a:ea typeface="NEXON Lv2 Gothic Bold" pitchFamily="2" charset="-127"/>
+              </a:rPr>
+              <a:t>아키텍처 경계 강화</a:t>
+            </a:r>
+            <a:endParaRPr lang="ko-KR" altLang="en-US" sz="9600" b="1" dirty="0">
+              <a:effectLst/>
+              <a:latin typeface="NEXON Lv2 Gothic Bold" pitchFamily="2" charset="-127"/>
+              <a:ea typeface="NEXON Lv2 Gothic Bold" pitchFamily="2" charset="-127"/>
+            </a:endParaRPr>
+          </a:p>
+        </p:txBody>
+      </p:sp>
+    </p:spTree>
+    <p:extLst>
+      <p:ext uri="{BB962C8B-B14F-4D97-AF65-F5344CB8AC3E}">
+        <p14:creationId xmlns:p14="http://schemas.microsoft.com/office/powerpoint/2010/main" val="1446180207"/>
+      </p:ext>
+    </p:extLst>
+  </p:cSld>
+  <p:clrMapOvr>
+    <a:masterClrMapping/>
+  </p:clrMapOvr>
+</p:sld>
+</file>
+
+<file path=ppt/slides/slide12.xml><?xml version="1.0" encoding="utf-8"?>
+<p:sld xmlns:a="http://schemas.openxmlformats.org/drawingml/2006/main" xmlns:r="http://schemas.openxmlformats.org/officeDocument/2006/relationships" xmlns:p="http://schemas.openxmlformats.org/presentationml/2006/main">
+  <p:cSld>
+    <p:spTree>
+      <p:nvGrpSpPr>
+        <p:cNvPr id="1" name=""/>
+        <p:cNvGrpSpPr/>
+        <p:nvPr/>
+      </p:nvGrpSpPr>
+      <p:grpSpPr>
+        <a:xfrm>
+          <a:off x="0" y="0"/>
+          <a:ext cx="0" cy="0"/>
+          <a:chOff x="0" y="0"/>
+          <a:chExt cx="0" cy="0"/>
+        </a:xfrm>
+      </p:grpSpPr>
+      <p:sp>
+        <p:nvSpPr>
+          <p:cNvPr id="4" name="TextBox 3">
+            <a:extLst>
+              <a:ext uri="{FF2B5EF4-FFF2-40B4-BE49-F238E27FC236}">
+                <a16:creationId xmlns:a16="http://schemas.microsoft.com/office/drawing/2014/main" id="{A895F410-A8E9-AA4B-A58A-00F6D7772FD4}"/>
+              </a:ext>
+            </a:extLst>
+          </p:cNvPr>
+          <p:cNvSpPr txBox="1"/>
+          <p:nvPr/>
+        </p:nvSpPr>
+        <p:spPr>
+          <a:xfrm>
             <a:off x="5437901" y="484912"/>
             <a:ext cx="2060179" cy="1862048"/>
           </a:xfrm>
@@ -3682,7 +3748,7 @@
 </p:sld>
 </file>
 
-<file path=ppt/slides/slide12.xml><?xml version="1.0" encoding="utf-8"?>
+<file path=ppt/slides/slide13.xml><?xml version="1.0" encoding="utf-8"?>
 <p:sld xmlns:a="http://schemas.openxmlformats.org/drawingml/2006/main" xmlns:r="http://schemas.openxmlformats.org/officeDocument/2006/relationships" xmlns:p="http://schemas.openxmlformats.org/presentationml/2006/main">
   <p:cSld>
     <p:spTree>
@@ -3817,10 +3883,10 @@
       </p:grpSpPr>
       <p:sp>
         <p:nvSpPr>
-          <p:cNvPr id="6" name="TextBox 5">
+          <p:cNvPr id="4" name="TextBox 3">
             <a:extLst>
               <a:ext uri="{FF2B5EF4-FFF2-40B4-BE49-F238E27FC236}">
-                <a16:creationId xmlns:a16="http://schemas.microsoft.com/office/drawing/2014/main" id="{1FF3ECCF-64EB-DF4C-BC84-29A4FFCF35F8}"/>
+                <a16:creationId xmlns:a16="http://schemas.microsoft.com/office/drawing/2014/main" id="{A895F410-A8E9-AA4B-A58A-00F6D7772FD4}"/>
               </a:ext>
             </a:extLst>
           </p:cNvPr>
@@ -3830,7 +3896,7 @@
         <p:spPr>
           <a:xfrm>
             <a:off x="6430159" y="420624"/>
-            <a:ext cx="1122423" cy="1862048"/>
+            <a:ext cx="1067921" cy="1862048"/>
           </a:xfrm>
           <a:prstGeom prst="rect">
             <a:avLst/>
@@ -3844,11 +3910,11 @@
           <a:lstStyle/>
           <a:p>
             <a:r>
-              <a:rPr kumimoji="1" lang="en-US" altLang="ko-KR" sz="11500" b="1" dirty="0">
+              <a:rPr kumimoji="1" lang="en-US" altLang="ko-Kore-KR" sz="11500" b="1" dirty="0">
                 <a:latin typeface="NEXON Lv2 Gothic Bold" pitchFamily="2" charset="-127"/>
                 <a:ea typeface="NEXON Lv2 Gothic Bold" pitchFamily="2" charset="-127"/>
               </a:rPr>
-              <a:t>2</a:t>
+              <a:t>1</a:t>
             </a:r>
             <a:endParaRPr kumimoji="1" lang="ko-Kore-KR" altLang="en-US" sz="11500" b="1" dirty="0">
               <a:latin typeface="NEXON Lv2 Gothic Bold" pitchFamily="2" charset="-127"/>
@@ -3857,54 +3923,10 @@
           </a:p>
         </p:txBody>
       </p:sp>
-      <p:sp>
-        <p:nvSpPr>
-          <p:cNvPr id="7" name="TextBox 6">
-            <a:extLst>
-              <a:ext uri="{FF2B5EF4-FFF2-40B4-BE49-F238E27FC236}">
-                <a16:creationId xmlns:a16="http://schemas.microsoft.com/office/drawing/2014/main" id="{4B298079-31B7-E043-A073-1184149AA044}"/>
-              </a:ext>
-            </a:extLst>
-          </p:cNvPr>
-          <p:cNvSpPr txBox="1"/>
-          <p:nvPr/>
-        </p:nvSpPr>
-        <p:spPr>
-          <a:xfrm>
-            <a:off x="1374648" y="2346960"/>
-            <a:ext cx="6123432" cy="646331"/>
-          </a:xfrm>
-          <a:prstGeom prst="rect">
-            <a:avLst/>
-          </a:prstGeom>
-          <a:noFill/>
-        </p:spPr>
-        <p:txBody>
-          <a:bodyPr wrap="square" rtlCol="0">
-            <a:spAutoFit/>
-          </a:bodyPr>
-          <a:lstStyle/>
-          <a:p>
-            <a:pPr algn="r"/>
-            <a:r>
-              <a:rPr lang="ko-KR" altLang="en-US" sz="3600" b="1" dirty="0">
-                <a:latin typeface="NEXON Lv2 Gothic Bold" pitchFamily="2" charset="-127"/>
-                <a:ea typeface="NEXON Lv2 Gothic Bold" pitchFamily="2" charset="-127"/>
-              </a:rPr>
-              <a:t>의존성 역전</a:t>
-            </a:r>
-            <a:endParaRPr lang="ko-KR" altLang="en-US" sz="9600" b="1" dirty="0">
-              <a:effectLst/>
-              <a:latin typeface="NEXON Lv2 Gothic Bold" pitchFamily="2" charset="-127"/>
-              <a:ea typeface="NEXON Lv2 Gothic Bold" pitchFamily="2" charset="-127"/>
-            </a:endParaRPr>
-          </a:p>
-        </p:txBody>
-      </p:sp>
     </p:spTree>
     <p:extLst>
       <p:ext uri="{BB962C8B-B14F-4D97-AF65-F5344CB8AC3E}">
-        <p14:creationId xmlns:p14="http://schemas.microsoft.com/office/powerpoint/2010/main" val="323734341"/>
+        <p14:creationId xmlns:p14="http://schemas.microsoft.com/office/powerpoint/2010/main" val="3884811370"/>
       </p:ext>
     </p:extLst>
   </p:cSld>
@@ -3933,10 +3955,10 @@
       </p:grpSpPr>
       <p:sp>
         <p:nvSpPr>
-          <p:cNvPr id="4" name="TextBox 3">
+          <p:cNvPr id="6" name="TextBox 5">
             <a:extLst>
               <a:ext uri="{FF2B5EF4-FFF2-40B4-BE49-F238E27FC236}">
-                <a16:creationId xmlns:a16="http://schemas.microsoft.com/office/drawing/2014/main" id="{A895F410-A8E9-AA4B-A58A-00F6D7772FD4}"/>
+                <a16:creationId xmlns:a16="http://schemas.microsoft.com/office/drawing/2014/main" id="{1FF3ECCF-64EB-DF4C-BC84-29A4FFCF35F8}"/>
               </a:ext>
             </a:extLst>
           </p:cNvPr>
@@ -3964,7 +3986,7 @@
                 <a:latin typeface="NEXON Lv2 Gothic Bold" pitchFamily="2" charset="-127"/>
                 <a:ea typeface="NEXON Lv2 Gothic Bold" pitchFamily="2" charset="-127"/>
               </a:rPr>
-              <a:t>3</a:t>
+              <a:t>2</a:t>
             </a:r>
             <a:endParaRPr kumimoji="1" lang="ko-Kore-KR" altLang="en-US" sz="11500" b="1" dirty="0">
               <a:latin typeface="NEXON Lv2 Gothic Bold" pitchFamily="2" charset="-127"/>
@@ -3973,54 +3995,10 @@
           </a:p>
         </p:txBody>
       </p:sp>
-      <p:sp>
-        <p:nvSpPr>
-          <p:cNvPr id="5" name="TextBox 4">
-            <a:extLst>
-              <a:ext uri="{FF2B5EF4-FFF2-40B4-BE49-F238E27FC236}">
-                <a16:creationId xmlns:a16="http://schemas.microsoft.com/office/drawing/2014/main" id="{9BCA8FB8-6C2B-BC41-891B-30955DFC8290}"/>
-              </a:ext>
-            </a:extLst>
-          </p:cNvPr>
-          <p:cNvSpPr txBox="1"/>
-          <p:nvPr/>
-        </p:nvSpPr>
-        <p:spPr>
-          <a:xfrm>
-            <a:off x="1374648" y="2346960"/>
-            <a:ext cx="6123432" cy="646331"/>
-          </a:xfrm>
-          <a:prstGeom prst="rect">
-            <a:avLst/>
-          </a:prstGeom>
-          <a:noFill/>
-        </p:spPr>
-        <p:txBody>
-          <a:bodyPr wrap="square" rtlCol="0">
-            <a:spAutoFit/>
-          </a:bodyPr>
-          <a:lstStyle/>
-          <a:p>
-            <a:pPr algn="r"/>
-            <a:r>
-              <a:rPr lang="ko-KR" altLang="en-US" sz="3600" b="1" dirty="0">
-                <a:latin typeface="NEXON Lv2 Gothic Bold" pitchFamily="2" charset="-127"/>
-                <a:ea typeface="NEXON Lv2 Gothic Bold" pitchFamily="2" charset="-127"/>
-              </a:rPr>
-              <a:t>코드 구성</a:t>
-            </a:r>
-            <a:endParaRPr lang="ko-KR" altLang="en-US" sz="9600" b="1" dirty="0">
-              <a:effectLst/>
-              <a:latin typeface="NEXON Lv2 Gothic Bold" pitchFamily="2" charset="-127"/>
-              <a:ea typeface="NEXON Lv2 Gothic Bold" pitchFamily="2" charset="-127"/>
-            </a:endParaRPr>
-          </a:p>
-        </p:txBody>
-      </p:sp>
     </p:spTree>
     <p:extLst>
       <p:ext uri="{BB962C8B-B14F-4D97-AF65-F5344CB8AC3E}">
-        <p14:creationId xmlns:p14="http://schemas.microsoft.com/office/powerpoint/2010/main" val="3235516736"/>
+        <p14:creationId xmlns:p14="http://schemas.microsoft.com/office/powerpoint/2010/main" val="323734341"/>
       </p:ext>
     </p:extLst>
   </p:cSld>
@@ -4080,7 +4058,7 @@
                 <a:latin typeface="NEXON Lv2 Gothic Bold" pitchFamily="2" charset="-127"/>
                 <a:ea typeface="NEXON Lv2 Gothic Bold" pitchFamily="2" charset="-127"/>
               </a:rPr>
-              <a:t>4</a:t>
+              <a:t>3</a:t>
             </a:r>
             <a:endParaRPr kumimoji="1" lang="ko-Kore-KR" altLang="en-US" sz="11500" b="1" dirty="0">
               <a:latin typeface="NEXON Lv2 Gothic Bold" pitchFamily="2" charset="-127"/>
@@ -4089,61 +4067,10 @@
           </a:p>
         </p:txBody>
       </p:sp>
-      <p:sp>
-        <p:nvSpPr>
-          <p:cNvPr id="5" name="TextBox 4">
-            <a:extLst>
-              <a:ext uri="{FF2B5EF4-FFF2-40B4-BE49-F238E27FC236}">
-                <a16:creationId xmlns:a16="http://schemas.microsoft.com/office/drawing/2014/main" id="{9BCA8FB8-6C2B-BC41-891B-30955DFC8290}"/>
-              </a:ext>
-            </a:extLst>
-          </p:cNvPr>
-          <p:cNvSpPr txBox="1"/>
-          <p:nvPr/>
-        </p:nvSpPr>
-        <p:spPr>
-          <a:xfrm>
-            <a:off x="1374648" y="2346960"/>
-            <a:ext cx="6123432" cy="646331"/>
-          </a:xfrm>
-          <a:prstGeom prst="rect">
-            <a:avLst/>
-          </a:prstGeom>
-          <a:noFill/>
-        </p:spPr>
-        <p:txBody>
-          <a:bodyPr wrap="square" rtlCol="0">
-            <a:spAutoFit/>
-          </a:bodyPr>
-          <a:lstStyle/>
-          <a:p>
-            <a:pPr algn="r"/>
-            <a:r>
-              <a:rPr lang="ko-KR" altLang="en-US" sz="3600" b="1" dirty="0" err="1">
-                <a:latin typeface="NEXON Lv2 Gothic Bold" pitchFamily="2" charset="-127"/>
-                <a:ea typeface="NEXON Lv2 Gothic Bold" pitchFamily="2" charset="-127"/>
-              </a:rPr>
-              <a:t>유스케이스</a:t>
-            </a:r>
-            <a:r>
-              <a:rPr lang="ko-KR" altLang="en-US" sz="3600" b="1" dirty="0">
-                <a:latin typeface="NEXON Lv2 Gothic Bold" pitchFamily="2" charset="-127"/>
-                <a:ea typeface="NEXON Lv2 Gothic Bold" pitchFamily="2" charset="-127"/>
-              </a:rPr>
-              <a:t> 구현</a:t>
-            </a:r>
-            <a:endParaRPr lang="ko-KR" altLang="en-US" sz="9600" b="1" dirty="0">
-              <a:effectLst/>
-              <a:latin typeface="NEXON Lv2 Gothic Bold" pitchFamily="2" charset="-127"/>
-              <a:ea typeface="NEXON Lv2 Gothic Bold" pitchFamily="2" charset="-127"/>
-            </a:endParaRPr>
-          </a:p>
-        </p:txBody>
-      </p:sp>
     </p:spTree>
     <p:extLst>
       <p:ext uri="{BB962C8B-B14F-4D97-AF65-F5344CB8AC3E}">
-        <p14:creationId xmlns:p14="http://schemas.microsoft.com/office/powerpoint/2010/main" val="426124824"/>
+        <p14:creationId xmlns:p14="http://schemas.microsoft.com/office/powerpoint/2010/main" val="3235516736"/>
       </p:ext>
     </p:extLst>
   </p:cSld>
@@ -4203,7 +4130,7 @@
                 <a:latin typeface="NEXON Lv2 Gothic Bold" pitchFamily="2" charset="-127"/>
                 <a:ea typeface="NEXON Lv2 Gothic Bold" pitchFamily="2" charset="-127"/>
               </a:rPr>
-              <a:t>5</a:t>
+              <a:t>4</a:t>
             </a:r>
             <a:endParaRPr kumimoji="1" lang="ko-Kore-KR" altLang="en-US" sz="11500" b="1" dirty="0">
               <a:latin typeface="NEXON Lv2 Gothic Bold" pitchFamily="2" charset="-127"/>
@@ -4242,12 +4169,18 @@
           <a:p>
             <a:pPr algn="r"/>
             <a:r>
-              <a:rPr lang="ko-KR" altLang="en-US" sz="3600" b="1" dirty="0">
-                <a:effectLst/>
+              <a:rPr lang="ko-KR" altLang="en-US" sz="3600" b="1" dirty="0" err="1">
                 <a:latin typeface="NEXON Lv2 Gothic Bold" pitchFamily="2" charset="-127"/>
                 <a:ea typeface="NEXON Lv2 Gothic Bold" pitchFamily="2" charset="-127"/>
               </a:rPr>
-              <a:t>웹 어댑터 구현</a:t>
+              <a:t>유스케이스</a:t>
+            </a:r>
+            <a:r>
+              <a:rPr lang="ko-KR" altLang="en-US" sz="3600" b="1" dirty="0">
+                <a:latin typeface="NEXON Lv2 Gothic Bold" pitchFamily="2" charset="-127"/>
+                <a:ea typeface="NEXON Lv2 Gothic Bold" pitchFamily="2" charset="-127"/>
+              </a:rPr>
+              <a:t> 구현</a:t>
             </a:r>
             <a:endParaRPr lang="ko-KR" altLang="en-US" sz="9600" b="1" dirty="0">
               <a:effectLst/>
@@ -4260,7 +4193,7 @@
     </p:spTree>
     <p:extLst>
       <p:ext uri="{BB962C8B-B14F-4D97-AF65-F5344CB8AC3E}">
-        <p14:creationId xmlns:p14="http://schemas.microsoft.com/office/powerpoint/2010/main" val="380663203"/>
+        <p14:creationId xmlns:p14="http://schemas.microsoft.com/office/powerpoint/2010/main" val="426124824"/>
       </p:ext>
     </p:extLst>
   </p:cSld>
@@ -4320,7 +4253,7 @@
                 <a:latin typeface="NEXON Lv2 Gothic Bold" pitchFamily="2" charset="-127"/>
                 <a:ea typeface="NEXON Lv2 Gothic Bold" pitchFamily="2" charset="-127"/>
               </a:rPr>
-              <a:t>6</a:t>
+              <a:t>5</a:t>
             </a:r>
             <a:endParaRPr kumimoji="1" lang="ko-Kore-KR" altLang="en-US" sz="11500" b="1" dirty="0">
               <a:latin typeface="NEXON Lv2 Gothic Bold" pitchFamily="2" charset="-127"/>
@@ -4364,7 +4297,7 @@
                 <a:latin typeface="NEXON Lv2 Gothic Bold" pitchFamily="2" charset="-127"/>
                 <a:ea typeface="NEXON Lv2 Gothic Bold" pitchFamily="2" charset="-127"/>
               </a:rPr>
-              <a:t>영속성 어댑터 구현</a:t>
+              <a:t>웹 어댑터 구현</a:t>
             </a:r>
             <a:endParaRPr lang="ko-KR" altLang="en-US" sz="9600" b="1" dirty="0">
               <a:effectLst/>
@@ -4377,7 +4310,7 @@
     </p:spTree>
     <p:extLst>
       <p:ext uri="{BB962C8B-B14F-4D97-AF65-F5344CB8AC3E}">
-        <p14:creationId xmlns:p14="http://schemas.microsoft.com/office/powerpoint/2010/main" val="4283667578"/>
+        <p14:creationId xmlns:p14="http://schemas.microsoft.com/office/powerpoint/2010/main" val="380663203"/>
       </p:ext>
     </p:extLst>
   </p:cSld>
@@ -4437,7 +4370,7 @@
                 <a:latin typeface="NEXON Lv2 Gothic Bold" pitchFamily="2" charset="-127"/>
                 <a:ea typeface="NEXON Lv2 Gothic Bold" pitchFamily="2" charset="-127"/>
               </a:rPr>
-              <a:t>7</a:t>
+              <a:t>6</a:t>
             </a:r>
             <a:endParaRPr kumimoji="1" lang="ko-Kore-KR" altLang="en-US" sz="11500" b="1" dirty="0">
               <a:latin typeface="NEXON Lv2 Gothic Bold" pitchFamily="2" charset="-127"/>
@@ -4477,10 +4410,11 @@
             <a:pPr algn="r"/>
             <a:r>
               <a:rPr lang="ko-KR" altLang="en-US" sz="3600" b="1" dirty="0">
+                <a:effectLst/>
                 <a:latin typeface="NEXON Lv2 Gothic Bold" pitchFamily="2" charset="-127"/>
                 <a:ea typeface="NEXON Lv2 Gothic Bold" pitchFamily="2" charset="-127"/>
               </a:rPr>
-              <a:t>아키텍처 구성요소 테스트</a:t>
+              <a:t>영속성 어댑터 구현</a:t>
             </a:r>
             <a:endParaRPr lang="ko-KR" altLang="en-US" sz="9600" b="1" dirty="0">
               <a:effectLst/>
@@ -4493,7 +4427,7 @@
     </p:spTree>
     <p:extLst>
       <p:ext uri="{BB962C8B-B14F-4D97-AF65-F5344CB8AC3E}">
-        <p14:creationId xmlns:p14="http://schemas.microsoft.com/office/powerpoint/2010/main" val="834439774"/>
+        <p14:creationId xmlns:p14="http://schemas.microsoft.com/office/powerpoint/2010/main" val="4283667578"/>
       </p:ext>
     </p:extLst>
   </p:cSld>
@@ -4553,7 +4487,7 @@
                 <a:latin typeface="NEXON Lv2 Gothic Bold" pitchFamily="2" charset="-127"/>
                 <a:ea typeface="NEXON Lv2 Gothic Bold" pitchFamily="2" charset="-127"/>
               </a:rPr>
-              <a:t>8</a:t>
+              <a:t>7</a:t>
             </a:r>
             <a:endParaRPr kumimoji="1" lang="ko-Kore-KR" altLang="en-US" sz="11500" b="1" dirty="0">
               <a:latin typeface="NEXON Lv2 Gothic Bold" pitchFamily="2" charset="-127"/>
@@ -4596,7 +4530,7 @@
                 <a:latin typeface="NEXON Lv2 Gothic Bold" pitchFamily="2" charset="-127"/>
                 <a:ea typeface="NEXON Lv2 Gothic Bold" pitchFamily="2" charset="-127"/>
               </a:rPr>
-              <a:t>경계 간 매핑</a:t>
+              <a:t>아키텍처 구성요소 테스트</a:t>
             </a:r>
             <a:endParaRPr lang="ko-KR" altLang="en-US" sz="9600" b="1" dirty="0">
               <a:effectLst/>
@@ -4609,7 +4543,7 @@
     </p:spTree>
     <p:extLst>
       <p:ext uri="{BB962C8B-B14F-4D97-AF65-F5344CB8AC3E}">
-        <p14:creationId xmlns:p14="http://schemas.microsoft.com/office/powerpoint/2010/main" val="4190502282"/>
+        <p14:creationId xmlns:p14="http://schemas.microsoft.com/office/powerpoint/2010/main" val="834439774"/>
       </p:ext>
     </p:extLst>
   </p:cSld>
@@ -4669,7 +4603,7 @@
                 <a:latin typeface="NEXON Lv2 Gothic Bold" pitchFamily="2" charset="-127"/>
                 <a:ea typeface="NEXON Lv2 Gothic Bold" pitchFamily="2" charset="-127"/>
               </a:rPr>
-              <a:t>9</a:t>
+              <a:t>8</a:t>
             </a:r>
             <a:endParaRPr kumimoji="1" lang="ko-Kore-KR" altLang="en-US" sz="11500" b="1" dirty="0">
               <a:latin typeface="NEXON Lv2 Gothic Bold" pitchFamily="2" charset="-127"/>
@@ -4712,7 +4646,7 @@
                 <a:latin typeface="NEXON Lv2 Gothic Bold" pitchFamily="2" charset="-127"/>
                 <a:ea typeface="NEXON Lv2 Gothic Bold" pitchFamily="2" charset="-127"/>
               </a:rPr>
-              <a:t>애플리케이션 모으기</a:t>
+              <a:t>경계 간 매핑</a:t>
             </a:r>
             <a:endParaRPr lang="ko-KR" altLang="en-US" sz="9600" b="1" dirty="0">
               <a:effectLst/>
@@ -4725,7 +4659,7 @@
     </p:spTree>
     <p:extLst>
       <p:ext uri="{BB962C8B-B14F-4D97-AF65-F5344CB8AC3E}">
-        <p14:creationId xmlns:p14="http://schemas.microsoft.com/office/powerpoint/2010/main" val="1249686669"/>
+        <p14:creationId xmlns:p14="http://schemas.microsoft.com/office/powerpoint/2010/main" val="4190502282"/>
       </p:ext>
     </p:extLst>
   </p:cSld>
